--- a/presentation/java-8-presentation.pptx
+++ b/presentation/java-8-presentation.pptx
@@ -6,6 +6,9 @@
   </p:sldMasterIdLst>
   <p:sldIdLst>
     <p:sldId id="256" r:id="rId2"/>
+    <p:sldId id="257" r:id="rId3"/>
+    <p:sldId id="258" r:id="rId4"/>
+    <p:sldId id="259" r:id="rId5"/>
   </p:sldIdLst>
   <p:sldSz cx="9144000" cy="6858000" type="screen4x3"/>
   <p:notesSz cx="6858000" cy="9144000"/>
@@ -105,6 +108,236 @@
     </a:lvl9pPr>
   </p:defaultTextStyle>
 </p:presentation>
+</file>
+
+<file path=ppt/charts/chart1.xml><?xml version="1.0" encoding="utf-8"?>
+<c:chartSpace xmlns:c="http://schemas.openxmlformats.org/drawingml/2006/chart" xmlns:a="http://schemas.openxmlformats.org/drawingml/2006/main" xmlns:r="http://schemas.openxmlformats.org/officeDocument/2006/relationships">
+  <c:date1904 val="0"/>
+  <c:lang val="en-US"/>
+  <c:roundedCorners val="0"/>
+  <mc:AlternateContent xmlns:mc="http://schemas.openxmlformats.org/markup-compatibility/2006">
+    <mc:Choice xmlns:c14="http://schemas.microsoft.com/office/drawing/2007/8/2/chart" Requires="c14">
+      <c14:style val="121"/>
+    </mc:Choice>
+    <mc:Fallback>
+      <c:style val="21"/>
+    </mc:Fallback>
+  </mc:AlternateContent>
+  <c:chart>
+    <c:title>
+      <c:tx>
+        <c:rich>
+          <a:bodyPr/>
+          <a:lstStyle/>
+          <a:p>
+            <a:pPr>
+              <a:defRPr/>
+            </a:pPr>
+            <a:r>
+              <a:rPr lang="en-US" dirty="0" smtClean="0"/>
+              <a:t>Java Version</a:t>
+            </a:r>
+            <a:endParaRPr lang="en-US" dirty="0"/>
+          </a:p>
+        </c:rich>
+      </c:tx>
+      <c:layout/>
+      <c:overlay val="0"/>
+    </c:title>
+    <c:autoTitleDeleted val="0"/>
+    <c:plotArea>
+      <c:layout/>
+      <c:lineChart>
+        <c:grouping val="stacked"/>
+        <c:varyColors val="0"/>
+        <c:ser>
+          <c:idx val="0"/>
+          <c:order val="0"/>
+          <c:tx>
+            <c:strRef>
+              <c:f>Sheet1!$A$1</c:f>
+              <c:strCache>
+                <c:ptCount val="1"/>
+                <c:pt idx="0">
+                  <c:v>Year</c:v>
+                </c:pt>
+              </c:strCache>
+            </c:strRef>
+          </c:tx>
+          <c:cat>
+            <c:strRef>
+              <c:f>Sheet1!$B$2:$B$11</c:f>
+              <c:strCache>
+                <c:ptCount val="10"/>
+                <c:pt idx="0">
+                  <c:v>JDK Beta</c:v>
+                </c:pt>
+                <c:pt idx="1">
+                  <c:v>JDK 1.0</c:v>
+                </c:pt>
+                <c:pt idx="2">
+                  <c:v>JDK 1.1</c:v>
+                </c:pt>
+                <c:pt idx="3">
+                  <c:v>J2SE 1.2</c:v>
+                </c:pt>
+                <c:pt idx="4">
+                  <c:v>J2SE 1.3</c:v>
+                </c:pt>
+                <c:pt idx="5">
+                  <c:v>J2SE 1.4</c:v>
+                </c:pt>
+                <c:pt idx="6">
+                  <c:v>J2SE 5.0</c:v>
+                </c:pt>
+                <c:pt idx="7">
+                  <c:v>Java SE 6</c:v>
+                </c:pt>
+                <c:pt idx="8">
+                  <c:v>Java SE 7</c:v>
+                </c:pt>
+                <c:pt idx="9">
+                  <c:v>Java SE 8</c:v>
+                </c:pt>
+              </c:strCache>
+            </c:strRef>
+          </c:cat>
+          <c:val>
+            <c:numRef>
+              <c:f>Sheet1!$A$2:$A$11</c:f>
+              <c:numCache>
+                <c:formatCode>General</c:formatCode>
+                <c:ptCount val="10"/>
+                <c:pt idx="0">
+                  <c:v>1994.0</c:v>
+                </c:pt>
+                <c:pt idx="1">
+                  <c:v>1996.0</c:v>
+                </c:pt>
+                <c:pt idx="2">
+                  <c:v>1997.0</c:v>
+                </c:pt>
+                <c:pt idx="3">
+                  <c:v>1998.0</c:v>
+                </c:pt>
+                <c:pt idx="4">
+                  <c:v>2000.0</c:v>
+                </c:pt>
+                <c:pt idx="5">
+                  <c:v>2002.0</c:v>
+                </c:pt>
+                <c:pt idx="6">
+                  <c:v>2005.0</c:v>
+                </c:pt>
+                <c:pt idx="7">
+                  <c:v>2006.0</c:v>
+                </c:pt>
+                <c:pt idx="8">
+                  <c:v>2011.0</c:v>
+                </c:pt>
+                <c:pt idx="9">
+                  <c:v>2014.0</c:v>
+                </c:pt>
+              </c:numCache>
+            </c:numRef>
+          </c:val>
+          <c:smooth val="0"/>
+        </c:ser>
+        <c:dLbls>
+          <c:showLegendKey val="0"/>
+          <c:showVal val="0"/>
+          <c:showCatName val="0"/>
+          <c:showSerName val="0"/>
+          <c:showPercent val="0"/>
+          <c:showBubbleSize val="0"/>
+        </c:dLbls>
+        <c:marker val="1"/>
+        <c:smooth val="0"/>
+        <c:axId val="2122085720"/>
+        <c:axId val="2124284408"/>
+      </c:lineChart>
+      <c:catAx>
+        <c:axId val="2122085720"/>
+        <c:scaling>
+          <c:orientation val="minMax"/>
+        </c:scaling>
+        <c:delete val="0"/>
+        <c:axPos val="b"/>
+        <c:majorTickMark val="none"/>
+        <c:minorTickMark val="none"/>
+        <c:tickLblPos val="nextTo"/>
+        <c:crossAx val="2124284408"/>
+        <c:crosses val="autoZero"/>
+        <c:auto val="1"/>
+        <c:lblAlgn val="ctr"/>
+        <c:lblOffset val="100"/>
+        <c:noMultiLvlLbl val="0"/>
+      </c:catAx>
+      <c:valAx>
+        <c:axId val="2124284408"/>
+        <c:scaling>
+          <c:orientation val="minMax"/>
+        </c:scaling>
+        <c:delete val="0"/>
+        <c:axPos val="l"/>
+        <c:majorGridlines/>
+        <c:title>
+          <c:tx>
+            <c:rich>
+              <a:bodyPr/>
+              <a:lstStyle/>
+              <a:p>
+                <a:pPr>
+                  <a:defRPr/>
+                </a:pPr>
+                <a:r>
+                  <a:rPr lang="en-US" dirty="0" smtClean="0"/>
+                  <a:t>Release</a:t>
+                </a:r>
+                <a:r>
+                  <a:rPr lang="en-US" baseline="0" dirty="0" smtClean="0"/>
+                  <a:t> Year</a:t>
+                </a:r>
+                <a:endParaRPr lang="en-US" dirty="0"/>
+              </a:p>
+            </c:rich>
+          </c:tx>
+          <c:layout/>
+          <c:overlay val="0"/>
+        </c:title>
+        <c:numFmt formatCode="General" sourceLinked="1"/>
+        <c:majorTickMark val="none"/>
+        <c:minorTickMark val="none"/>
+        <c:tickLblPos val="nextTo"/>
+        <c:crossAx val="2122085720"/>
+        <c:crosses val="autoZero"/>
+        <c:crossBetween val="between"/>
+      </c:valAx>
+      <c:dTable>
+        <c:showHorzBorder val="1"/>
+        <c:showVertBorder val="1"/>
+        <c:showOutline val="1"/>
+        <c:showKeys val="1"/>
+      </c:dTable>
+    </c:plotArea>
+    <c:plotVisOnly val="1"/>
+    <c:dispBlanksAs val="gap"/>
+    <c:showDLblsOverMax val="0"/>
+  </c:chart>
+  <c:txPr>
+    <a:bodyPr/>
+    <a:lstStyle/>
+    <a:p>
+      <a:pPr>
+        <a:defRPr sz="1800"/>
+      </a:pPr>
+      <a:endParaRPr lang="en-US"/>
+    </a:p>
+  </c:txPr>
+  <c:externalData r:id="rId1">
+    <c:autoUpdate val="0"/>
+  </c:externalData>
+</c:chartSpace>
 </file>
 
 <file path=ppt/slideLayouts/slideLayout1.xml><?xml version="1.0" encoding="utf-8"?>
@@ -3275,6 +3508,318 @@
   <p:clrMapOvr>
     <a:masterClrMapping/>
   </p:clrMapOvr>
+  <p:timing>
+    <p:tnLst>
+      <p:par>
+        <p:cTn xmlns:p14="http://schemas.microsoft.com/office/powerpoint/2010/main" id="1" dur="indefinite" restart="never" nodeType="tmRoot"/>
+      </p:par>
+    </p:tnLst>
+  </p:timing>
+</p:sld>
+</file>
+
+<file path=ppt/slides/slide2.xml><?xml version="1.0" encoding="utf-8"?>
+<p:sld xmlns:a="http://schemas.openxmlformats.org/drawingml/2006/main" xmlns:r="http://schemas.openxmlformats.org/officeDocument/2006/relationships" xmlns:p="http://schemas.openxmlformats.org/presentationml/2006/main">
+  <p:cSld>
+    <p:spTree>
+      <p:nvGrpSpPr>
+        <p:cNvPr id="1" name=""/>
+        <p:cNvGrpSpPr/>
+        <p:nvPr/>
+      </p:nvGrpSpPr>
+      <p:grpSpPr>
+        <a:xfrm>
+          <a:off x="0" y="0"/>
+          <a:ext cx="0" cy="0"/>
+          <a:chOff x="0" y="0"/>
+          <a:chExt cx="0" cy="0"/>
+        </a:xfrm>
+      </p:grpSpPr>
+      <p:sp>
+        <p:nvSpPr>
+          <p:cNvPr id="2" name="Title 1"/>
+          <p:cNvSpPr>
+            <a:spLocks noGrp="1"/>
+          </p:cNvSpPr>
+          <p:nvPr>
+            <p:ph type="title"/>
+          </p:nvPr>
+        </p:nvSpPr>
+        <p:spPr/>
+        <p:txBody>
+          <a:bodyPr/>
+          <a:lstStyle/>
+          <a:p>
+            <a:r>
+              <a:rPr lang="en-US" dirty="0" smtClean="0"/>
+              <a:t>Java Evolution</a:t>
+            </a:r>
+            <a:endParaRPr lang="en-US" dirty="0"/>
+          </a:p>
+        </p:txBody>
+      </p:sp>
+      <p:graphicFrame>
+        <p:nvGraphicFramePr>
+          <p:cNvPr id="4" name="Content Placeholder 3"/>
+          <p:cNvGraphicFramePr>
+            <a:graphicFrameLocks noGrp="1"/>
+          </p:cNvGraphicFramePr>
+          <p:nvPr>
+            <p:ph idx="1"/>
+            <p:extLst>
+              <p:ext uri="{D42A27DB-BD31-4B8C-83A1-F6EECF244321}">
+                <p14:modId xmlns:p14="http://schemas.microsoft.com/office/powerpoint/2010/main" val="3360970649"/>
+              </p:ext>
+            </p:extLst>
+          </p:nvPr>
+        </p:nvGraphicFramePr>
+        <p:xfrm>
+          <a:off x="457200" y="1600200"/>
+          <a:ext cx="7620000" cy="4800600"/>
+        </p:xfrm>
+        <a:graphic>
+          <a:graphicData uri="http://schemas.openxmlformats.org/drawingml/2006/chart">
+            <c:chart xmlns:c="http://schemas.openxmlformats.org/drawingml/2006/chart" xmlns:r="http://schemas.openxmlformats.org/officeDocument/2006/relationships" r:id="rId2"/>
+          </a:graphicData>
+        </a:graphic>
+      </p:graphicFrame>
+      <p:sp>
+        <p:nvSpPr>
+          <p:cNvPr id="5" name="TextBox 4"/>
+          <p:cNvSpPr txBox="1"/>
+          <p:nvPr/>
+        </p:nvSpPr>
+        <p:spPr>
+          <a:xfrm>
+            <a:off x="5788261" y="6550223"/>
+            <a:ext cx="2680881" cy="307777"/>
+          </a:xfrm>
+          <a:prstGeom prst="rect">
+            <a:avLst/>
+          </a:prstGeom>
+          <a:noFill/>
+        </p:spPr>
+        <p:txBody>
+          <a:bodyPr wrap="square" rtlCol="0">
+            <a:spAutoFit/>
+          </a:bodyPr>
+          <a:lstStyle/>
+          <a:p>
+            <a:pPr algn="r"/>
+            <a:r>
+              <a:rPr lang="en-US" sz="1400" dirty="0" smtClean="0"/>
+              <a:t>Source: Wikipedia</a:t>
+            </a:r>
+            <a:endParaRPr lang="en-US" sz="1400" dirty="0"/>
+          </a:p>
+        </p:txBody>
+      </p:sp>
+    </p:spTree>
+    <p:extLst>
+      <p:ext uri="{BB962C8B-B14F-4D97-AF65-F5344CB8AC3E}">
+        <p14:creationId xmlns:p14="http://schemas.microsoft.com/office/powerpoint/2010/main" val="76993337"/>
+      </p:ext>
+    </p:extLst>
+  </p:cSld>
+  <p:clrMapOvr>
+    <a:masterClrMapping/>
+  </p:clrMapOvr>
+  <p:timing>
+    <p:tnLst>
+      <p:par>
+        <p:cTn xmlns:p14="http://schemas.microsoft.com/office/powerpoint/2010/main" id="1" dur="indefinite" restart="never" nodeType="tmRoot"/>
+      </p:par>
+    </p:tnLst>
+  </p:timing>
+</p:sld>
+</file>
+
+<file path=ppt/slides/slide3.xml><?xml version="1.0" encoding="utf-8"?>
+<p:sld xmlns:a="http://schemas.openxmlformats.org/drawingml/2006/main" xmlns:r="http://schemas.openxmlformats.org/officeDocument/2006/relationships" xmlns:p="http://schemas.openxmlformats.org/presentationml/2006/main">
+  <p:cSld>
+    <p:spTree>
+      <p:nvGrpSpPr>
+        <p:cNvPr id="1" name=""/>
+        <p:cNvGrpSpPr/>
+        <p:nvPr/>
+      </p:nvGrpSpPr>
+      <p:grpSpPr>
+        <a:xfrm>
+          <a:off x="0" y="0"/>
+          <a:ext cx="0" cy="0"/>
+          <a:chOff x="0" y="0"/>
+          <a:chExt cx="0" cy="0"/>
+        </a:xfrm>
+      </p:grpSpPr>
+      <p:sp>
+        <p:nvSpPr>
+          <p:cNvPr id="2" name="Title 1"/>
+          <p:cNvSpPr>
+            <a:spLocks noGrp="1"/>
+          </p:cNvSpPr>
+          <p:nvPr>
+            <p:ph type="title"/>
+          </p:nvPr>
+        </p:nvSpPr>
+        <p:spPr/>
+        <p:txBody>
+          <a:bodyPr/>
+          <a:lstStyle/>
+          <a:p>
+            <a:r>
+              <a:rPr lang="en-US" dirty="0" smtClean="0"/>
+              <a:t>Java 8 Features</a:t>
+            </a:r>
+            <a:endParaRPr lang="en-US" dirty="0"/>
+          </a:p>
+        </p:txBody>
+      </p:sp>
+      <p:sp>
+        <p:nvSpPr>
+          <p:cNvPr id="3" name="Content Placeholder 2"/>
+          <p:cNvSpPr>
+            <a:spLocks noGrp="1"/>
+          </p:cNvSpPr>
+          <p:nvPr>
+            <p:ph idx="1"/>
+          </p:nvPr>
+        </p:nvSpPr>
+        <p:spPr/>
+        <p:txBody>
+          <a:bodyPr/>
+          <a:lstStyle/>
+          <a:p>
+            <a:r>
+              <a:rPr lang="en-US" dirty="0" smtClean="0"/>
+              <a:t>Lambda expression (JSR 335)</a:t>
+            </a:r>
+          </a:p>
+          <a:p>
+            <a:r>
+              <a:rPr lang="en-US" dirty="0" err="1" smtClean="0"/>
+              <a:t>Nashorn</a:t>
+            </a:r>
+            <a:r>
+              <a:rPr lang="en-US" dirty="0" smtClean="0"/>
+              <a:t> – JavaScript Runtime  (JSR 223)</a:t>
+            </a:r>
+          </a:p>
+          <a:p>
+            <a:r>
+              <a:rPr lang="en-US" dirty="0" smtClean="0"/>
+              <a:t>Date &amp; Time API</a:t>
+            </a:r>
+          </a:p>
+          <a:p>
+            <a:r>
+              <a:rPr lang="en-US" dirty="0" smtClean="0"/>
+              <a:t> Stream API</a:t>
+            </a:r>
+          </a:p>
+          <a:p>
+            <a:endParaRPr lang="en-US" dirty="0" smtClean="0"/>
+          </a:p>
+          <a:p>
+            <a:endParaRPr lang="en-US" dirty="0"/>
+          </a:p>
+        </p:txBody>
+      </p:sp>
+    </p:spTree>
+    <p:extLst>
+      <p:ext uri="{BB962C8B-B14F-4D97-AF65-F5344CB8AC3E}">
+        <p14:creationId xmlns:p14="http://schemas.microsoft.com/office/powerpoint/2010/main" val="1277845098"/>
+      </p:ext>
+    </p:extLst>
+  </p:cSld>
+  <p:clrMapOvr>
+    <a:masterClrMapping/>
+  </p:clrMapOvr>
+</p:sld>
+</file>
+
+<file path=ppt/slides/slide4.xml><?xml version="1.0" encoding="utf-8"?>
+<p:sld xmlns:a="http://schemas.openxmlformats.org/drawingml/2006/main" xmlns:r="http://schemas.openxmlformats.org/officeDocument/2006/relationships" xmlns:p="http://schemas.openxmlformats.org/presentationml/2006/main">
+  <p:cSld>
+    <p:spTree>
+      <p:nvGrpSpPr>
+        <p:cNvPr id="1" name=""/>
+        <p:cNvGrpSpPr/>
+        <p:nvPr/>
+      </p:nvGrpSpPr>
+      <p:grpSpPr>
+        <a:xfrm>
+          <a:off x="0" y="0"/>
+          <a:ext cx="0" cy="0"/>
+          <a:chOff x="0" y="0"/>
+          <a:chExt cx="0" cy="0"/>
+        </a:xfrm>
+      </p:grpSpPr>
+      <p:sp>
+        <p:nvSpPr>
+          <p:cNvPr id="2" name="Title 1"/>
+          <p:cNvSpPr>
+            <a:spLocks noGrp="1"/>
+          </p:cNvSpPr>
+          <p:nvPr>
+            <p:ph type="title"/>
+          </p:nvPr>
+        </p:nvSpPr>
+        <p:spPr/>
+        <p:txBody>
+          <a:bodyPr/>
+          <a:lstStyle/>
+          <a:p>
+            <a:r>
+              <a:rPr lang="en-US" dirty="0" smtClean="0"/>
+              <a:t>Before we Jump</a:t>
+            </a:r>
+            <a:endParaRPr lang="en-US" dirty="0"/>
+          </a:p>
+        </p:txBody>
+      </p:sp>
+      <p:sp>
+        <p:nvSpPr>
+          <p:cNvPr id="3" name="Content Placeholder 2"/>
+          <p:cNvSpPr>
+            <a:spLocks noGrp="1"/>
+          </p:cNvSpPr>
+          <p:nvPr>
+            <p:ph idx="1"/>
+          </p:nvPr>
+        </p:nvSpPr>
+        <p:spPr/>
+        <p:txBody>
+          <a:bodyPr/>
+          <a:lstStyle/>
+          <a:p>
+            <a:r>
+              <a:rPr lang="en-US" dirty="0" smtClean="0"/>
+              <a:t>Functional programming</a:t>
+            </a:r>
+          </a:p>
+          <a:p>
+            <a:r>
+              <a:rPr lang="en-US" smtClean="0"/>
+              <a:t>Functional </a:t>
+            </a:r>
+            <a:r>
+              <a:rPr lang="en-US" dirty="0" smtClean="0"/>
+              <a:t>interface</a:t>
+            </a:r>
+            <a:endParaRPr lang="en-US" dirty="0"/>
+          </a:p>
+        </p:txBody>
+      </p:sp>
+    </p:spTree>
+    <p:extLst>
+      <p:ext uri="{BB962C8B-B14F-4D97-AF65-F5344CB8AC3E}">
+        <p14:creationId xmlns:p14="http://schemas.microsoft.com/office/powerpoint/2010/main" val="4215634064"/>
+      </p:ext>
+    </p:extLst>
+  </p:cSld>
+  <p:clrMapOvr>
+    <a:masterClrMapping/>
+  </p:clrMapOvr>
 </p:sld>
 </file>
 

--- a/presentation/java-8-presentation.pptx
+++ b/presentation/java-8-presentation.pptx
@@ -9,6 +9,10 @@
     <p:sldId id="257" r:id="rId3"/>
     <p:sldId id="258" r:id="rId4"/>
     <p:sldId id="259" r:id="rId5"/>
+    <p:sldId id="260" r:id="rId6"/>
+    <p:sldId id="262" r:id="rId7"/>
+    <p:sldId id="261" r:id="rId8"/>
+    <p:sldId id="263" r:id="rId9"/>
   </p:sldIdLst>
   <p:sldSz cx="9144000" cy="6858000" type="screen4x3"/>
   <p:notesSz cx="6858000" cy="9144000"/>
@@ -253,11 +257,11 @@
         </c:dLbls>
         <c:marker val="1"/>
         <c:smooth val="0"/>
-        <c:axId val="2122085720"/>
-        <c:axId val="2124284408"/>
+        <c:axId val="2114862120"/>
+        <c:axId val="2114865112"/>
       </c:lineChart>
       <c:catAx>
-        <c:axId val="2122085720"/>
+        <c:axId val="2114862120"/>
         <c:scaling>
           <c:orientation val="minMax"/>
         </c:scaling>
@@ -266,7 +270,7 @@
         <c:majorTickMark val="none"/>
         <c:minorTickMark val="none"/>
         <c:tickLblPos val="nextTo"/>
-        <c:crossAx val="2124284408"/>
+        <c:crossAx val="2114865112"/>
         <c:crosses val="autoZero"/>
         <c:auto val="1"/>
         <c:lblAlgn val="ctr"/>
@@ -274,7 +278,7 @@
         <c:noMultiLvlLbl val="0"/>
       </c:catAx>
       <c:valAx>
-        <c:axId val="2124284408"/>
+        <c:axId val="2114865112"/>
         <c:scaling>
           <c:orientation val="minMax"/>
         </c:scaling>
@@ -309,7 +313,7 @@
         <c:majorTickMark val="none"/>
         <c:minorTickMark val="none"/>
         <c:tickLblPos val="nextTo"/>
-        <c:crossAx val="2122085720"/>
+        <c:crossAx val="2114862120"/>
         <c:crosses val="autoZero"/>
         <c:crossBetween val="between"/>
       </c:valAx>
@@ -534,7 +538,7 @@
           <a:p>
             <a:fld id="{C148D63F-E290-CB4D-9E95-A144AFCD3868}" type="datetimeFigureOut">
               <a:rPr lang="en-US" smtClean="0"/>
-              <a:t>26/01/17</a:t>
+              <a:t>27/01/17</a:t>
             </a:fld>
             <a:endParaRPr lang="en-US"/>
           </a:p>
@@ -700,7 +704,7 @@
           <a:p>
             <a:fld id="{C148D63F-E290-CB4D-9E95-A144AFCD3868}" type="datetimeFigureOut">
               <a:rPr lang="en-US" smtClean="0"/>
-              <a:t>26/01/17</a:t>
+              <a:t>27/01/17</a:t>
             </a:fld>
             <a:endParaRPr lang="en-US"/>
           </a:p>
@@ -875,7 +879,7 @@
           <a:p>
             <a:fld id="{C148D63F-E290-CB4D-9E95-A144AFCD3868}" type="datetimeFigureOut">
               <a:rPr lang="en-US" smtClean="0"/>
-              <a:t>26/01/17</a:t>
+              <a:t>27/01/17</a:t>
             </a:fld>
             <a:endParaRPr lang="en-US"/>
           </a:p>
@@ -1040,7 +1044,7 @@
           <a:p>
             <a:fld id="{C148D63F-E290-CB4D-9E95-A144AFCD3868}" type="datetimeFigureOut">
               <a:rPr lang="en-US" smtClean="0"/>
-              <a:t>26/01/17</a:t>
+              <a:t>27/01/17</a:t>
             </a:fld>
             <a:endParaRPr lang="en-US"/>
           </a:p>
@@ -1281,7 +1285,7 @@
           <a:p>
             <a:fld id="{C148D63F-E290-CB4D-9E95-A144AFCD3868}" type="datetimeFigureOut">
               <a:rPr lang="en-US" smtClean="0"/>
-              <a:t>26/01/17</a:t>
+              <a:t>27/01/17</a:t>
             </a:fld>
             <a:endParaRPr lang="en-US"/>
           </a:p>
@@ -1564,7 +1568,7 @@
           <a:p>
             <a:fld id="{C148D63F-E290-CB4D-9E95-A144AFCD3868}" type="datetimeFigureOut">
               <a:rPr lang="en-US" smtClean="0"/>
-              <a:t>26/01/17</a:t>
+              <a:t>27/01/17</a:t>
             </a:fld>
             <a:endParaRPr lang="en-US"/>
           </a:p>
@@ -1993,7 +1997,7 @@
           <a:p>
             <a:fld id="{C148D63F-E290-CB4D-9E95-A144AFCD3868}" type="datetimeFigureOut">
               <a:rPr lang="en-US" smtClean="0"/>
-              <a:t>26/01/17</a:t>
+              <a:t>27/01/17</a:t>
             </a:fld>
             <a:endParaRPr lang="en-US"/>
           </a:p>
@@ -2106,7 +2110,7 @@
           <a:p>
             <a:fld id="{C148D63F-E290-CB4D-9E95-A144AFCD3868}" type="datetimeFigureOut">
               <a:rPr lang="en-US" smtClean="0"/>
-              <a:t>26/01/17</a:t>
+              <a:t>27/01/17</a:t>
             </a:fld>
             <a:endParaRPr lang="en-US"/>
           </a:p>
@@ -2196,7 +2200,7 @@
           <a:p>
             <a:fld id="{C148D63F-E290-CB4D-9E95-A144AFCD3868}" type="datetimeFigureOut">
               <a:rPr lang="en-US" smtClean="0"/>
-              <a:t>26/01/17</a:t>
+              <a:t>27/01/17</a:t>
             </a:fld>
             <a:endParaRPr lang="en-US"/>
           </a:p>
@@ -2385,7 +2389,7 @@
           <a:p>
             <a:fld id="{C148D63F-E290-CB4D-9E95-A144AFCD3868}" type="datetimeFigureOut">
               <a:rPr lang="en-US" smtClean="0"/>
-              <a:t>26/01/17</a:t>
+              <a:t>27/01/17</a:t>
             </a:fld>
             <a:endParaRPr lang="en-US"/>
           </a:p>
@@ -2704,7 +2708,7 @@
           <a:p>
             <a:fld id="{C148D63F-E290-CB4D-9E95-A144AFCD3868}" type="datetimeFigureOut">
               <a:rPr lang="en-US" smtClean="0"/>
-              <a:t>26/01/17</a:t>
+              <a:t>27/01/17</a:t>
             </a:fld>
             <a:endParaRPr lang="en-US"/>
           </a:p>
@@ -3083,7 +3087,7 @@
           <a:p>
             <a:fld id="{C148D63F-E290-CB4D-9E95-A144AFCD3868}" type="datetimeFigureOut">
               <a:rPr lang="en-US" smtClean="0"/>
-              <a:t>26/01/17</a:t>
+              <a:t>27/01/17</a:t>
             </a:fld>
             <a:endParaRPr lang="en-US"/>
           </a:p>
@@ -3713,7 +3717,11 @@
           <a:p>
             <a:r>
               <a:rPr lang="en-US" dirty="0" smtClean="0"/>
-              <a:t> Stream API</a:t>
+              <a:t>Stream </a:t>
+            </a:r>
+            <a:r>
+              <a:rPr lang="en-US" dirty="0" smtClean="0"/>
+              <a:t>API</a:t>
             </a:r>
           </a:p>
           <a:p>
@@ -3734,6 +3742,13 @@
   <p:clrMapOvr>
     <a:masterClrMapping/>
   </p:clrMapOvr>
+  <p:timing>
+    <p:tnLst>
+      <p:par>
+        <p:cTn xmlns:p14="http://schemas.microsoft.com/office/powerpoint/2010/main" id="1" dur="indefinite" restart="never" nodeType="tmRoot"/>
+      </p:par>
+    </p:tnLst>
+  </p:timing>
 </p:sld>
 </file>
 
@@ -3814,6 +3829,659 @@
     <p:extLst>
       <p:ext uri="{BB962C8B-B14F-4D97-AF65-F5344CB8AC3E}">
         <p14:creationId xmlns:p14="http://schemas.microsoft.com/office/powerpoint/2010/main" val="4215634064"/>
+      </p:ext>
+    </p:extLst>
+  </p:cSld>
+  <p:clrMapOvr>
+    <a:masterClrMapping/>
+  </p:clrMapOvr>
+  <p:timing>
+    <p:tnLst>
+      <p:par>
+        <p:cTn xmlns:p14="http://schemas.microsoft.com/office/powerpoint/2010/main" id="1" dur="indefinite" restart="never" nodeType="tmRoot"/>
+      </p:par>
+    </p:tnLst>
+  </p:timing>
+</p:sld>
+</file>
+
+<file path=ppt/slides/slide5.xml><?xml version="1.0" encoding="utf-8"?>
+<p:sld xmlns:a="http://schemas.openxmlformats.org/drawingml/2006/main" xmlns:r="http://schemas.openxmlformats.org/officeDocument/2006/relationships" xmlns:p="http://schemas.openxmlformats.org/presentationml/2006/main">
+  <p:cSld>
+    <p:spTree>
+      <p:nvGrpSpPr>
+        <p:cNvPr id="1" name=""/>
+        <p:cNvGrpSpPr/>
+        <p:nvPr/>
+      </p:nvGrpSpPr>
+      <p:grpSpPr>
+        <a:xfrm>
+          <a:off x="0" y="0"/>
+          <a:ext cx="0" cy="0"/>
+          <a:chOff x="0" y="0"/>
+          <a:chExt cx="0" cy="0"/>
+        </a:xfrm>
+      </p:grpSpPr>
+      <p:sp>
+        <p:nvSpPr>
+          <p:cNvPr id="2" name="Title 1"/>
+          <p:cNvSpPr>
+            <a:spLocks noGrp="1"/>
+          </p:cNvSpPr>
+          <p:nvPr>
+            <p:ph type="title"/>
+          </p:nvPr>
+        </p:nvSpPr>
+        <p:spPr/>
+        <p:txBody>
+          <a:bodyPr/>
+          <a:lstStyle/>
+          <a:p>
+            <a:r>
+              <a:rPr lang="en-US" dirty="0" smtClean="0"/>
+              <a:t>Functional Programming</a:t>
+            </a:r>
+            <a:endParaRPr lang="en-US" dirty="0"/>
+          </a:p>
+        </p:txBody>
+      </p:sp>
+      <p:sp>
+        <p:nvSpPr>
+          <p:cNvPr id="3" name="Content Placeholder 2"/>
+          <p:cNvSpPr>
+            <a:spLocks noGrp="1"/>
+          </p:cNvSpPr>
+          <p:nvPr>
+            <p:ph idx="1"/>
+          </p:nvPr>
+        </p:nvSpPr>
+        <p:spPr/>
+        <p:txBody>
+          <a:bodyPr>
+            <a:normAutofit/>
+          </a:bodyPr>
+          <a:lstStyle/>
+          <a:p>
+            <a:r>
+              <a:rPr lang="en-US" dirty="0"/>
+              <a:t>D</a:t>
+            </a:r>
+            <a:r>
+              <a:rPr lang="en-US" dirty="0" smtClean="0"/>
+              <a:t>eclarative </a:t>
+            </a:r>
+            <a:r>
+              <a:rPr lang="en-US" dirty="0"/>
+              <a:t>programming </a:t>
+            </a:r>
+            <a:r>
+              <a:rPr lang="en-US" dirty="0" smtClean="0"/>
+              <a:t>paradigm</a:t>
+            </a:r>
+            <a:r>
+              <a:rPr lang="en-US" dirty="0"/>
+              <a:t> </a:t>
+            </a:r>
+          </a:p>
+          <a:p>
+            <a:r>
+              <a:rPr lang="en-US" dirty="0"/>
+              <a:t>P</a:t>
+            </a:r>
+            <a:r>
+              <a:rPr lang="en-US" dirty="0" smtClean="0"/>
+              <a:t>rogramming </a:t>
+            </a:r>
+            <a:r>
+              <a:rPr lang="en-US" dirty="0"/>
+              <a:t>is done with </a:t>
+            </a:r>
+            <a:r>
+              <a:rPr lang="en-US" dirty="0" smtClean="0"/>
+              <a:t>expressions</a:t>
+            </a:r>
+            <a:r>
+              <a:rPr lang="en-US" dirty="0"/>
+              <a:t> </a:t>
+            </a:r>
+            <a:r>
+              <a:rPr lang="en-US" dirty="0" smtClean="0"/>
+              <a:t>or declarations </a:t>
+            </a:r>
+            <a:r>
+              <a:rPr lang="en-US" dirty="0"/>
+              <a:t>instead of statements</a:t>
+            </a:r>
+            <a:r>
+              <a:rPr lang="en-US" dirty="0" smtClean="0"/>
+              <a:t>.</a:t>
+            </a:r>
+          </a:p>
+          <a:p>
+            <a:r>
+              <a:rPr lang="en-US" dirty="0"/>
+              <a:t>O</a:t>
+            </a:r>
+            <a:r>
+              <a:rPr lang="en-US" dirty="0" smtClean="0"/>
+              <a:t>utput </a:t>
+            </a:r>
+            <a:r>
+              <a:rPr lang="en-US" dirty="0"/>
+              <a:t>value of a function depends only on the arguments that are input to the </a:t>
+            </a:r>
+            <a:r>
+              <a:rPr lang="en-US" dirty="0" smtClean="0"/>
+              <a:t>function</a:t>
+            </a:r>
+          </a:p>
+          <a:p>
+            <a:r>
+              <a:rPr lang="en-US" dirty="0" smtClean="0"/>
+              <a:t>More on What to do rather than How to do</a:t>
+            </a:r>
+          </a:p>
+          <a:p>
+            <a:r>
+              <a:rPr lang="en-US" dirty="0" smtClean="0"/>
+              <a:t>Side effect free</a:t>
+            </a:r>
+          </a:p>
+          <a:p>
+            <a:pPr lvl="1"/>
+            <a:endParaRPr lang="en-US" dirty="0"/>
+          </a:p>
+        </p:txBody>
+      </p:sp>
+      <p:pic>
+        <p:nvPicPr>
+          <p:cNvPr id="4" name="Picture 3"/>
+          <p:cNvPicPr>
+            <a:picLocks noChangeAspect="1"/>
+          </p:cNvPicPr>
+          <p:nvPr/>
+        </p:nvPicPr>
+        <p:blipFill>
+          <a:blip r:embed="rId2"/>
+          <a:stretch>
+            <a:fillRect/>
+          </a:stretch>
+        </p:blipFill>
+        <p:spPr>
+          <a:xfrm>
+            <a:off x="5330407" y="3722530"/>
+            <a:ext cx="2707601" cy="2678269"/>
+          </a:xfrm>
+          <a:prstGeom prst="rect">
+            <a:avLst/>
+          </a:prstGeom>
+        </p:spPr>
+      </p:pic>
+      <p:sp>
+        <p:nvSpPr>
+          <p:cNvPr id="5" name="Rectangle 4"/>
+          <p:cNvSpPr/>
+          <p:nvPr/>
+        </p:nvSpPr>
+        <p:spPr>
+          <a:xfrm>
+            <a:off x="2398683" y="6334780"/>
+            <a:ext cx="6109655" cy="523220"/>
+          </a:xfrm>
+          <a:prstGeom prst="rect">
+            <a:avLst/>
+          </a:prstGeom>
+        </p:spPr>
+        <p:txBody>
+          <a:bodyPr wrap="square">
+            <a:spAutoFit/>
+          </a:bodyPr>
+          <a:lstStyle/>
+          <a:p>
+            <a:r>
+              <a:rPr lang="en-US" sz="1400" dirty="0" smtClean="0"/>
+              <a:t>Image courtesy : http</a:t>
+            </a:r>
+            <a:r>
+              <a:rPr lang="en-US" sz="1400" dirty="0"/>
+              <a:t>://</a:t>
+            </a:r>
+            <a:r>
+              <a:rPr lang="en-US" sz="1400" dirty="0" err="1"/>
+              <a:t>blakehaswell.com</a:t>
+            </a:r>
+            <a:r>
+              <a:rPr lang="en-US" sz="1400" dirty="0"/>
+              <a:t>/post/119761850327/my-one-piece-of-advice</a:t>
+            </a:r>
+          </a:p>
+        </p:txBody>
+      </p:sp>
+    </p:spTree>
+    <p:extLst>
+      <p:ext uri="{BB962C8B-B14F-4D97-AF65-F5344CB8AC3E}">
+        <p14:creationId xmlns:p14="http://schemas.microsoft.com/office/powerpoint/2010/main" val="3494870888"/>
+      </p:ext>
+    </p:extLst>
+  </p:cSld>
+  <p:clrMapOvr>
+    <a:masterClrMapping/>
+  </p:clrMapOvr>
+  <p:timing>
+    <p:tnLst>
+      <p:par>
+        <p:cTn xmlns:p14="http://schemas.microsoft.com/office/powerpoint/2010/main" id="1" dur="indefinite" restart="never" nodeType="tmRoot"/>
+      </p:par>
+    </p:tnLst>
+  </p:timing>
+</p:sld>
+</file>
+
+<file path=ppt/slides/slide6.xml><?xml version="1.0" encoding="utf-8"?>
+<p:sld xmlns:a="http://schemas.openxmlformats.org/drawingml/2006/main" xmlns:r="http://schemas.openxmlformats.org/officeDocument/2006/relationships" xmlns:p="http://schemas.openxmlformats.org/presentationml/2006/main">
+  <p:cSld>
+    <p:spTree>
+      <p:nvGrpSpPr>
+        <p:cNvPr id="1" name=""/>
+        <p:cNvGrpSpPr/>
+        <p:nvPr/>
+      </p:nvGrpSpPr>
+      <p:grpSpPr>
+        <a:xfrm>
+          <a:off x="0" y="0"/>
+          <a:ext cx="0" cy="0"/>
+          <a:chOff x="0" y="0"/>
+          <a:chExt cx="0" cy="0"/>
+        </a:xfrm>
+      </p:grpSpPr>
+      <p:sp>
+        <p:nvSpPr>
+          <p:cNvPr id="2" name="Title 1"/>
+          <p:cNvSpPr>
+            <a:spLocks noGrp="1"/>
+          </p:cNvSpPr>
+          <p:nvPr>
+            <p:ph type="title"/>
+          </p:nvPr>
+        </p:nvSpPr>
+        <p:spPr/>
+        <p:txBody>
+          <a:bodyPr/>
+          <a:lstStyle/>
+          <a:p>
+            <a:r>
+              <a:rPr lang="en-US" dirty="0" smtClean="0"/>
+              <a:t>Functional Programing</a:t>
+            </a:r>
+            <a:endParaRPr lang="en-US" dirty="0"/>
+          </a:p>
+        </p:txBody>
+      </p:sp>
+      <p:sp>
+        <p:nvSpPr>
+          <p:cNvPr id="3" name="Content Placeholder 2"/>
+          <p:cNvSpPr>
+            <a:spLocks noGrp="1"/>
+          </p:cNvSpPr>
+          <p:nvPr>
+            <p:ph idx="1"/>
+          </p:nvPr>
+        </p:nvSpPr>
+        <p:spPr/>
+        <p:txBody>
+          <a:bodyPr/>
+          <a:lstStyle/>
+          <a:p>
+            <a:r>
+              <a:rPr lang="en-US" dirty="0"/>
+              <a:t>List of Functional Programming language</a:t>
+            </a:r>
+          </a:p>
+          <a:p>
+            <a:pPr lvl="1"/>
+            <a:r>
+              <a:rPr lang="en-US" dirty="0"/>
+              <a:t>Python</a:t>
+            </a:r>
+          </a:p>
+          <a:p>
+            <a:pPr lvl="1"/>
+            <a:r>
+              <a:rPr lang="en-US" dirty="0"/>
+              <a:t>Haskell</a:t>
+            </a:r>
+          </a:p>
+          <a:p>
+            <a:pPr lvl="1"/>
+            <a:r>
+              <a:rPr lang="en-US" dirty="0" smtClean="0"/>
+              <a:t>Perl </a:t>
+            </a:r>
+            <a:endParaRPr lang="en-US" dirty="0"/>
+          </a:p>
+          <a:p>
+            <a:pPr lvl="1"/>
+            <a:r>
+              <a:rPr lang="en-US" dirty="0" err="1" smtClean="0"/>
+              <a:t>Erlang</a:t>
+            </a:r>
+            <a:endParaRPr lang="en-US" dirty="0"/>
+          </a:p>
+          <a:p>
+            <a:pPr lvl="1"/>
+            <a:r>
+              <a:rPr lang="en-US" dirty="0"/>
+              <a:t>Elixir</a:t>
+            </a:r>
+          </a:p>
+          <a:p>
+            <a:pPr lvl="1"/>
+            <a:r>
+              <a:rPr lang="en-US" dirty="0" smtClean="0"/>
+              <a:t>Lisp</a:t>
+            </a:r>
+            <a:endParaRPr lang="en-US" dirty="0"/>
+          </a:p>
+          <a:p>
+            <a:pPr lvl="1"/>
+            <a:r>
+              <a:rPr lang="en-US" dirty="0" err="1"/>
+              <a:t>Clojure</a:t>
+            </a:r>
+            <a:r>
+              <a:rPr lang="en-US" dirty="0"/>
+              <a:t> </a:t>
+            </a:r>
+          </a:p>
+          <a:p>
+            <a:pPr lvl="1"/>
+            <a:r>
+              <a:rPr lang="en-US" dirty="0" smtClean="0"/>
+              <a:t>D</a:t>
+            </a:r>
+            <a:endParaRPr lang="en-US" dirty="0"/>
+          </a:p>
+          <a:p>
+            <a:pPr lvl="1"/>
+            <a:r>
+              <a:rPr lang="en-US" dirty="0" err="1"/>
+              <a:t>Scala</a:t>
+            </a:r>
+            <a:endParaRPr lang="en-US" dirty="0"/>
+          </a:p>
+          <a:p>
+            <a:endParaRPr lang="en-US" dirty="0"/>
+          </a:p>
+        </p:txBody>
+      </p:sp>
+    </p:spTree>
+    <p:extLst>
+      <p:ext uri="{BB962C8B-B14F-4D97-AF65-F5344CB8AC3E}">
+        <p14:creationId xmlns:p14="http://schemas.microsoft.com/office/powerpoint/2010/main" val="536404032"/>
+      </p:ext>
+    </p:extLst>
+  </p:cSld>
+  <p:clrMapOvr>
+    <a:masterClrMapping/>
+  </p:clrMapOvr>
+  <p:timing>
+    <p:tnLst>
+      <p:par>
+        <p:cTn xmlns:p14="http://schemas.microsoft.com/office/powerpoint/2010/main" id="1" dur="indefinite" restart="never" nodeType="tmRoot"/>
+      </p:par>
+    </p:tnLst>
+  </p:timing>
+</p:sld>
+</file>
+
+<file path=ppt/slides/slide7.xml><?xml version="1.0" encoding="utf-8"?>
+<p:sld xmlns:a="http://schemas.openxmlformats.org/drawingml/2006/main" xmlns:r="http://schemas.openxmlformats.org/officeDocument/2006/relationships" xmlns:p="http://schemas.openxmlformats.org/presentationml/2006/main">
+  <p:cSld>
+    <p:spTree>
+      <p:nvGrpSpPr>
+        <p:cNvPr id="1" name=""/>
+        <p:cNvGrpSpPr/>
+        <p:nvPr/>
+      </p:nvGrpSpPr>
+      <p:grpSpPr>
+        <a:xfrm>
+          <a:off x="0" y="0"/>
+          <a:ext cx="0" cy="0"/>
+          <a:chOff x="0" y="0"/>
+          <a:chExt cx="0" cy="0"/>
+        </a:xfrm>
+      </p:grpSpPr>
+      <p:sp>
+        <p:nvSpPr>
+          <p:cNvPr id="2" name="Title 1"/>
+          <p:cNvSpPr>
+            <a:spLocks noGrp="1"/>
+          </p:cNvSpPr>
+          <p:nvPr>
+            <p:ph type="title"/>
+          </p:nvPr>
+        </p:nvSpPr>
+        <p:spPr/>
+        <p:txBody>
+          <a:bodyPr/>
+          <a:lstStyle/>
+          <a:p>
+            <a:r>
+              <a:rPr lang="en-US" dirty="0" smtClean="0"/>
+              <a:t>Functional Interface</a:t>
+            </a:r>
+            <a:endParaRPr lang="en-US" dirty="0"/>
+          </a:p>
+        </p:txBody>
+      </p:sp>
+      <p:sp>
+        <p:nvSpPr>
+          <p:cNvPr id="3" name="Content Placeholder 2"/>
+          <p:cNvSpPr>
+            <a:spLocks noGrp="1"/>
+          </p:cNvSpPr>
+          <p:nvPr>
+            <p:ph idx="1"/>
+          </p:nvPr>
+        </p:nvSpPr>
+        <p:spPr/>
+        <p:txBody>
+          <a:bodyPr/>
+          <a:lstStyle/>
+          <a:p>
+            <a:r>
+              <a:rPr lang="en-US" dirty="0"/>
+              <a:t>A</a:t>
+            </a:r>
+            <a:r>
+              <a:rPr lang="en-US" dirty="0" smtClean="0"/>
+              <a:t> </a:t>
+            </a:r>
+            <a:r>
+              <a:rPr lang="en-US" dirty="0"/>
+              <a:t>functional interface has exactly one abstract </a:t>
+            </a:r>
+            <a:r>
+              <a:rPr lang="en-US" dirty="0" smtClean="0"/>
+              <a:t>method</a:t>
+            </a:r>
+          </a:p>
+          <a:p>
+            <a:r>
+              <a:rPr lang="en-US" dirty="0" smtClean="0"/>
+              <a:t>Can be annotated with @</a:t>
+            </a:r>
+            <a:r>
+              <a:rPr lang="en-US" dirty="0" err="1" smtClean="0"/>
+              <a:t>FunctionalInterface</a:t>
+            </a:r>
+            <a:endParaRPr lang="en-US" dirty="0" smtClean="0"/>
+          </a:p>
+          <a:p>
+            <a:r>
+              <a:rPr lang="en-US" dirty="0" smtClean="0"/>
+              <a:t>instances of functional interfaces can be created with lambda expressions , More at </a:t>
+            </a:r>
+            <a:endParaRPr lang="en-US" dirty="0"/>
+          </a:p>
+        </p:txBody>
+      </p:sp>
+      <p:sp>
+        <p:nvSpPr>
+          <p:cNvPr id="4" name="TextBox 3"/>
+          <p:cNvSpPr txBox="1"/>
+          <p:nvPr/>
+        </p:nvSpPr>
+        <p:spPr>
+          <a:xfrm>
+            <a:off x="1" y="6550223"/>
+            <a:ext cx="8469142" cy="307777"/>
+          </a:xfrm>
+          <a:prstGeom prst="rect">
+            <a:avLst/>
+          </a:prstGeom>
+          <a:noFill/>
+        </p:spPr>
+        <p:txBody>
+          <a:bodyPr wrap="square" rtlCol="0">
+            <a:spAutoFit/>
+          </a:bodyPr>
+          <a:lstStyle/>
+          <a:p>
+            <a:pPr algn="r"/>
+            <a:r>
+              <a:rPr lang="en-US" sz="1400" dirty="0" smtClean="0"/>
+              <a:t>https://</a:t>
+            </a:r>
+            <a:r>
+              <a:rPr lang="en-US" sz="1400" dirty="0" err="1" smtClean="0"/>
+              <a:t>docs.oracle.com</a:t>
+            </a:r>
+            <a:r>
+              <a:rPr lang="en-US" sz="1400" dirty="0" smtClean="0"/>
+              <a:t>/</a:t>
+            </a:r>
+            <a:r>
+              <a:rPr lang="en-US" sz="1400" dirty="0" err="1" smtClean="0"/>
+              <a:t>javase</a:t>
+            </a:r>
+            <a:r>
+              <a:rPr lang="en-US" sz="1400" dirty="0" smtClean="0"/>
+              <a:t>/8/docs/</a:t>
+            </a:r>
+            <a:r>
+              <a:rPr lang="en-US" sz="1400" dirty="0" err="1" smtClean="0"/>
+              <a:t>api</a:t>
+            </a:r>
+            <a:r>
+              <a:rPr lang="en-US" sz="1400" dirty="0" smtClean="0"/>
+              <a:t>/java/</a:t>
+            </a:r>
+            <a:r>
+              <a:rPr lang="en-US" sz="1400" dirty="0" err="1" smtClean="0"/>
+              <a:t>lang</a:t>
+            </a:r>
+            <a:r>
+              <a:rPr lang="en-US" sz="1400" dirty="0" smtClean="0"/>
+              <a:t>/</a:t>
+            </a:r>
+            <a:r>
+              <a:rPr lang="en-US" sz="1400" dirty="0" err="1" smtClean="0"/>
+              <a:t>FunctionalInterface.html</a:t>
+            </a:r>
+            <a:endParaRPr lang="en-US" sz="1400" dirty="0"/>
+          </a:p>
+        </p:txBody>
+      </p:sp>
+      <p:pic>
+        <p:nvPicPr>
+          <p:cNvPr id="5" name="Picture 4"/>
+          <p:cNvPicPr>
+            <a:picLocks noChangeAspect="1"/>
+          </p:cNvPicPr>
+          <p:nvPr/>
+        </p:nvPicPr>
+        <p:blipFill>
+          <a:blip r:embed="rId2"/>
+          <a:stretch>
+            <a:fillRect/>
+          </a:stretch>
+        </p:blipFill>
+        <p:spPr>
+          <a:xfrm>
+            <a:off x="4123226" y="3092420"/>
+            <a:ext cx="4258773" cy="3194080"/>
+          </a:xfrm>
+          <a:prstGeom prst="rect">
+            <a:avLst/>
+          </a:prstGeom>
+        </p:spPr>
+      </p:pic>
+    </p:spTree>
+    <p:extLst>
+      <p:ext uri="{BB962C8B-B14F-4D97-AF65-F5344CB8AC3E}">
+        <p14:creationId xmlns:p14="http://schemas.microsoft.com/office/powerpoint/2010/main" val="3441673946"/>
+      </p:ext>
+    </p:extLst>
+  </p:cSld>
+  <p:clrMapOvr>
+    <a:masterClrMapping/>
+  </p:clrMapOvr>
+  <p:timing>
+    <p:tnLst>
+      <p:par>
+        <p:cTn xmlns:p14="http://schemas.microsoft.com/office/powerpoint/2010/main" id="1" dur="indefinite" restart="never" nodeType="tmRoot"/>
+      </p:par>
+    </p:tnLst>
+  </p:timing>
+</p:sld>
+</file>
+
+<file path=ppt/slides/slide8.xml><?xml version="1.0" encoding="utf-8"?>
+<p:sld xmlns:a="http://schemas.openxmlformats.org/drawingml/2006/main" xmlns:r="http://schemas.openxmlformats.org/officeDocument/2006/relationships" xmlns:p="http://schemas.openxmlformats.org/presentationml/2006/main">
+  <p:cSld>
+    <p:spTree>
+      <p:nvGrpSpPr>
+        <p:cNvPr id="1" name=""/>
+        <p:cNvGrpSpPr/>
+        <p:nvPr/>
+      </p:nvGrpSpPr>
+      <p:grpSpPr>
+        <a:xfrm>
+          <a:off x="0" y="0"/>
+          <a:ext cx="0" cy="0"/>
+          <a:chOff x="0" y="0"/>
+          <a:chExt cx="0" cy="0"/>
+        </a:xfrm>
+      </p:grpSpPr>
+      <p:pic>
+        <p:nvPicPr>
+          <p:cNvPr id="4" name="Picture 3"/>
+          <p:cNvPicPr>
+            <a:picLocks noChangeAspect="1"/>
+          </p:cNvPicPr>
+          <p:nvPr/>
+        </p:nvPicPr>
+        <p:blipFill>
+          <a:blip r:embed="rId2"/>
+          <a:stretch>
+            <a:fillRect/>
+          </a:stretch>
+        </p:blipFill>
+        <p:spPr>
+          <a:xfrm>
+            <a:off x="47034" y="595837"/>
+            <a:ext cx="8378355" cy="5702300"/>
+          </a:xfrm>
+          <a:prstGeom prst="rect">
+            <a:avLst/>
+          </a:prstGeom>
+        </p:spPr>
+      </p:pic>
+    </p:spTree>
+    <p:extLst>
+      <p:ext uri="{BB962C8B-B14F-4D97-AF65-F5344CB8AC3E}">
+        <p14:creationId xmlns:p14="http://schemas.microsoft.com/office/powerpoint/2010/main" val="3580197095"/>
       </p:ext>
     </p:extLst>
   </p:cSld>
